--- a/AARUG 2022_10_18 How to Make Plots with GGplot.pptx
+++ b/AARUG 2022_10_18 How to Make Plots with GGplot.pptx
@@ -154,6 +154,237 @@
 </p:presentation>
 </file>
 
+<file path=ppt/revisionInfo.xml><?xml version="1.0" encoding="utf-8"?>
+<p1510:revInfo xmlns:a="http://schemas.openxmlformats.org/drawingml/2006/main" xmlns:r="http://schemas.openxmlformats.org/officeDocument/2006/relationships" xmlns:p1510="http://schemas.microsoft.com/office/powerpoint/2015/10/main">
+  <p1510:revLst>
+    <p1510:client id="{951B128E-E4F7-4F67-8E77-7ED08786248E}" v="2" dt="2022-11-10T18:38:12.259"/>
+  </p1510:revLst>
+</p1510:revInfo>
+</file>
+
+<file path=ppt/changesInfos/changesInfo1.xml><?xml version="1.0" encoding="utf-8"?>
+<pc:chgInfo xmlns:a="http://schemas.openxmlformats.org/drawingml/2006/main" xmlns:r="http://schemas.openxmlformats.org/officeDocument/2006/relationships" xmlns:ac="http://schemas.microsoft.com/office/drawing/2013/main/command" xmlns:pc="http://schemas.microsoft.com/office/powerpoint/2013/main/command">
+  <pc:docChgLst>
+    <pc:chgData name="DeCicco, Barry" userId="598d2070-81f9-4814-a3fd-315cf73b76ef" providerId="ADAL" clId="{951B128E-E4F7-4F67-8E77-7ED08786248E}"/>
+    <pc:docChg chg="custSel modSld">
+      <pc:chgData name="DeCicco, Barry" userId="598d2070-81f9-4814-a3fd-315cf73b76ef" providerId="ADAL" clId="{951B128E-E4F7-4F67-8E77-7ED08786248E}" dt="2022-11-10T18:46:54.204" v="411" actId="1076"/>
+      <pc:docMkLst>
+        <pc:docMk/>
+      </pc:docMkLst>
+      <pc:sldChg chg="addSp delSp modSp mod">
+        <pc:chgData name="DeCicco, Barry" userId="598d2070-81f9-4814-a3fd-315cf73b76ef" providerId="ADAL" clId="{951B128E-E4F7-4F67-8E77-7ED08786248E}" dt="2022-11-10T18:38:08.840" v="149" actId="14100"/>
+        <pc:sldMkLst>
+          <pc:docMk/>
+          <pc:sldMk cId="443636183" sldId="392"/>
+        </pc:sldMkLst>
+        <pc:spChg chg="mod">
+          <ac:chgData name="DeCicco, Barry" userId="598d2070-81f9-4814-a3fd-315cf73b76ef" providerId="ADAL" clId="{951B128E-E4F7-4F67-8E77-7ED08786248E}" dt="2022-11-10T18:33:00.739" v="20" actId="20577"/>
+          <ac:spMkLst>
+            <pc:docMk/>
+            <pc:sldMk cId="443636183" sldId="392"/>
+            <ac:spMk id="2" creationId="{00000000-0000-0000-0000-000000000000}"/>
+          </ac:spMkLst>
+        </pc:spChg>
+        <pc:spChg chg="add mod">
+          <ac:chgData name="DeCicco, Barry" userId="598d2070-81f9-4814-a3fd-315cf73b76ef" providerId="ADAL" clId="{951B128E-E4F7-4F67-8E77-7ED08786248E}" dt="2022-11-10T18:38:08.840" v="149" actId="14100"/>
+          <ac:spMkLst>
+            <pc:docMk/>
+            <pc:sldMk cId="443636183" sldId="392"/>
+            <ac:spMk id="5" creationId="{D3C8F335-ABE9-E94A-DD86-22D104443DD3}"/>
+          </ac:spMkLst>
+        </pc:spChg>
+        <pc:picChg chg="add mod">
+          <ac:chgData name="DeCicco, Barry" userId="598d2070-81f9-4814-a3fd-315cf73b76ef" providerId="ADAL" clId="{951B128E-E4F7-4F67-8E77-7ED08786248E}" dt="2022-11-10T18:37:37.380" v="136" actId="14100"/>
+          <ac:picMkLst>
+            <pc:docMk/>
+            <pc:sldMk cId="443636183" sldId="392"/>
+            <ac:picMk id="4" creationId="{1E19632B-93FE-2B48-7867-250F84DA3E92}"/>
+          </ac:picMkLst>
+        </pc:picChg>
+        <pc:picChg chg="del">
+          <ac:chgData name="DeCicco, Barry" userId="598d2070-81f9-4814-a3fd-315cf73b76ef" providerId="ADAL" clId="{951B128E-E4F7-4F67-8E77-7ED08786248E}" dt="2022-11-10T18:32:45.113" v="0" actId="478"/>
+          <ac:picMkLst>
+            <pc:docMk/>
+            <pc:sldMk cId="443636183" sldId="392"/>
+            <ac:picMk id="17" creationId="{7E002BCA-9BCE-4F72-A607-1DD4E45DC702}"/>
+          </ac:picMkLst>
+        </pc:picChg>
+      </pc:sldChg>
+      <pc:sldChg chg="addSp delSp modSp mod">
+        <pc:chgData name="DeCicco, Barry" userId="598d2070-81f9-4814-a3fd-315cf73b76ef" providerId="ADAL" clId="{951B128E-E4F7-4F67-8E77-7ED08786248E}" dt="2022-11-10T18:38:45.745" v="270" actId="1076"/>
+        <pc:sldMkLst>
+          <pc:docMk/>
+          <pc:sldMk cId="1868095730" sldId="394"/>
+        </pc:sldMkLst>
+        <pc:spChg chg="add mod">
+          <ac:chgData name="DeCicco, Barry" userId="598d2070-81f9-4814-a3fd-315cf73b76ef" providerId="ADAL" clId="{951B128E-E4F7-4F67-8E77-7ED08786248E}" dt="2022-11-10T18:38:43.624" v="269" actId="20577"/>
+          <ac:spMkLst>
+            <pc:docMk/>
+            <pc:sldMk cId="1868095730" sldId="394"/>
+            <ac:spMk id="6" creationId="{5467C6C7-7CBE-E848-EC24-23B3AE55152E}"/>
+          </ac:spMkLst>
+        </pc:spChg>
+        <pc:picChg chg="del">
+          <ac:chgData name="DeCicco, Barry" userId="598d2070-81f9-4814-a3fd-315cf73b76ef" providerId="ADAL" clId="{951B128E-E4F7-4F67-8E77-7ED08786248E}" dt="2022-11-10T18:37:16.229" v="126" actId="478"/>
+          <ac:picMkLst>
+            <pc:docMk/>
+            <pc:sldMk cId="1868095730" sldId="394"/>
+            <ac:picMk id="4" creationId="{BB41578A-CE69-4D6B-9D1A-F13E75647EE6}"/>
+          </ac:picMkLst>
+        </pc:picChg>
+        <pc:picChg chg="add mod">
+          <ac:chgData name="DeCicco, Barry" userId="598d2070-81f9-4814-a3fd-315cf73b76ef" providerId="ADAL" clId="{951B128E-E4F7-4F67-8E77-7ED08786248E}" dt="2022-11-10T18:38:45.745" v="270" actId="1076"/>
+          <ac:picMkLst>
+            <pc:docMk/>
+            <pc:sldMk cId="1868095730" sldId="394"/>
+            <ac:picMk id="5" creationId="{6457F2B7-966B-1654-27A3-001DE0178C19}"/>
+          </ac:picMkLst>
+        </pc:picChg>
+      </pc:sldChg>
+      <pc:sldChg chg="addSp delSp modSp mod">
+        <pc:chgData name="DeCicco, Barry" userId="598d2070-81f9-4814-a3fd-315cf73b76ef" providerId="ADAL" clId="{951B128E-E4F7-4F67-8E77-7ED08786248E}" dt="2022-11-10T18:43:34.728" v="371" actId="1076"/>
+        <pc:sldMkLst>
+          <pc:docMk/>
+          <pc:sldMk cId="779452578" sldId="396"/>
+        </pc:sldMkLst>
+        <pc:spChg chg="mod">
+          <ac:chgData name="DeCicco, Barry" userId="598d2070-81f9-4814-a3fd-315cf73b76ef" providerId="ADAL" clId="{951B128E-E4F7-4F67-8E77-7ED08786248E}" dt="2022-11-10T18:42:02.199" v="319" actId="404"/>
+          <ac:spMkLst>
+            <pc:docMk/>
+            <pc:sldMk cId="779452578" sldId="396"/>
+            <ac:spMk id="17" creationId="{4B8B65F8-A9F3-43A8-8341-4248EF01A117}"/>
+          </ac:spMkLst>
+        </pc:spChg>
+        <pc:picChg chg="del mod">
+          <ac:chgData name="DeCicco, Barry" userId="598d2070-81f9-4814-a3fd-315cf73b76ef" providerId="ADAL" clId="{951B128E-E4F7-4F67-8E77-7ED08786248E}" dt="2022-11-10T18:40:15.772" v="272" actId="478"/>
+          <ac:picMkLst>
+            <pc:docMk/>
+            <pc:sldMk cId="779452578" sldId="396"/>
+            <ac:picMk id="4" creationId="{A05284ED-CA35-4F3A-9C70-73A3DAB0964C}"/>
+          </ac:picMkLst>
+        </pc:picChg>
+        <pc:picChg chg="add mod">
+          <ac:chgData name="DeCicco, Barry" userId="598d2070-81f9-4814-a3fd-315cf73b76ef" providerId="ADAL" clId="{951B128E-E4F7-4F67-8E77-7ED08786248E}" dt="2022-11-10T18:43:34.728" v="371" actId="1076"/>
+          <ac:picMkLst>
+            <pc:docMk/>
+            <pc:sldMk cId="779452578" sldId="396"/>
+            <ac:picMk id="5" creationId="{1771461C-692D-2E27-9869-07C48CAF9A7D}"/>
+          </ac:picMkLst>
+        </pc:picChg>
+      </pc:sldChg>
+      <pc:sldChg chg="addSp delSp modSp mod">
+        <pc:chgData name="DeCicco, Barry" userId="598d2070-81f9-4814-a3fd-315cf73b76ef" providerId="ADAL" clId="{951B128E-E4F7-4F67-8E77-7ED08786248E}" dt="2022-11-10T18:43:36.401" v="372" actId="1076"/>
+        <pc:sldMkLst>
+          <pc:docMk/>
+          <pc:sldMk cId="234804488" sldId="397"/>
+        </pc:sldMkLst>
+        <pc:spChg chg="mod">
+          <ac:chgData name="DeCicco, Barry" userId="598d2070-81f9-4814-a3fd-315cf73b76ef" providerId="ADAL" clId="{951B128E-E4F7-4F67-8E77-7ED08786248E}" dt="2022-11-10T18:41:53.959" v="317" actId="255"/>
+          <ac:spMkLst>
+            <pc:docMk/>
+            <pc:sldMk cId="234804488" sldId="397"/>
+            <ac:spMk id="17" creationId="{4B8B65F8-A9F3-43A8-8341-4248EF01A117}"/>
+          </ac:spMkLst>
+        </pc:spChg>
+        <pc:picChg chg="add mod">
+          <ac:chgData name="DeCicco, Barry" userId="598d2070-81f9-4814-a3fd-315cf73b76ef" providerId="ADAL" clId="{951B128E-E4F7-4F67-8E77-7ED08786248E}" dt="2022-11-10T18:43:36.401" v="372" actId="1076"/>
+          <ac:picMkLst>
+            <pc:docMk/>
+            <pc:sldMk cId="234804488" sldId="397"/>
+            <ac:picMk id="4" creationId="{552D9405-7CD5-117A-623B-D539CDF46BA9}"/>
+          </ac:picMkLst>
+        </pc:picChg>
+        <pc:picChg chg="del">
+          <ac:chgData name="DeCicco, Barry" userId="598d2070-81f9-4814-a3fd-315cf73b76ef" providerId="ADAL" clId="{951B128E-E4F7-4F67-8E77-7ED08786248E}" dt="2022-11-10T18:41:29.243" v="281" actId="478"/>
+          <ac:picMkLst>
+            <pc:docMk/>
+            <pc:sldMk cId="234804488" sldId="397"/>
+            <ac:picMk id="5" creationId="{ADBA62E6-6517-4D9B-B833-33401DF31D7B}"/>
+          </ac:picMkLst>
+        </pc:picChg>
+      </pc:sldChg>
+      <pc:sldChg chg="addSp delSp modSp mod">
+        <pc:chgData name="DeCicco, Barry" userId="598d2070-81f9-4814-a3fd-315cf73b76ef" providerId="ADAL" clId="{951B128E-E4F7-4F67-8E77-7ED08786248E}" dt="2022-11-10T18:43:54.903" v="378" actId="688"/>
+        <pc:sldMkLst>
+          <pc:docMk/>
+          <pc:sldMk cId="3860999966" sldId="398"/>
+        </pc:sldMkLst>
+        <pc:spChg chg="mod">
+          <ac:chgData name="DeCicco, Barry" userId="598d2070-81f9-4814-a3fd-315cf73b76ef" providerId="ADAL" clId="{951B128E-E4F7-4F67-8E77-7ED08786248E}" dt="2022-11-10T18:43:54.903" v="378" actId="688"/>
+          <ac:spMkLst>
+            <pc:docMk/>
+            <pc:sldMk cId="3860999966" sldId="398"/>
+            <ac:spMk id="17" creationId="{4B8B65F8-A9F3-43A8-8341-4248EF01A117}"/>
+          </ac:spMkLst>
+        </pc:spChg>
+        <pc:picChg chg="del mod">
+          <ac:chgData name="DeCicco, Barry" userId="598d2070-81f9-4814-a3fd-315cf73b76ef" providerId="ADAL" clId="{951B128E-E4F7-4F67-8E77-7ED08786248E}" dt="2022-11-10T18:42:50.291" v="322" actId="478"/>
+          <ac:picMkLst>
+            <pc:docMk/>
+            <pc:sldMk cId="3860999966" sldId="398"/>
+            <ac:picMk id="4" creationId="{C56A27A9-296A-4CF5-B90C-914CEA2291F6}"/>
+          </ac:picMkLst>
+        </pc:picChg>
+        <pc:picChg chg="add mod">
+          <ac:chgData name="DeCicco, Barry" userId="598d2070-81f9-4814-a3fd-315cf73b76ef" providerId="ADAL" clId="{951B128E-E4F7-4F67-8E77-7ED08786248E}" dt="2022-11-10T18:43:50.354" v="377" actId="1076"/>
+          <ac:picMkLst>
+            <pc:docMk/>
+            <pc:sldMk cId="3860999966" sldId="398"/>
+            <ac:picMk id="5" creationId="{C47833C7-6A15-A233-CB92-44F3EE411F4C}"/>
+          </ac:picMkLst>
+        </pc:picChg>
+      </pc:sldChg>
+      <pc:sldChg chg="addSp delSp modSp mod">
+        <pc:chgData name="DeCicco, Barry" userId="598d2070-81f9-4814-a3fd-315cf73b76ef" providerId="ADAL" clId="{951B128E-E4F7-4F67-8E77-7ED08786248E}" dt="2022-11-10T18:44:54.117" v="382" actId="1076"/>
+        <pc:sldMkLst>
+          <pc:docMk/>
+          <pc:sldMk cId="697419365" sldId="399"/>
+        </pc:sldMkLst>
+        <pc:picChg chg="add mod">
+          <ac:chgData name="DeCicco, Barry" userId="598d2070-81f9-4814-a3fd-315cf73b76ef" providerId="ADAL" clId="{951B128E-E4F7-4F67-8E77-7ED08786248E}" dt="2022-11-10T18:44:54.117" v="382" actId="1076"/>
+          <ac:picMkLst>
+            <pc:docMk/>
+            <pc:sldMk cId="697419365" sldId="399"/>
+            <ac:picMk id="4" creationId="{27FF621B-EF9F-E499-4C5D-CEACF4D86728}"/>
+          </ac:picMkLst>
+        </pc:picChg>
+        <pc:picChg chg="del">
+          <ac:chgData name="DeCicco, Barry" userId="598d2070-81f9-4814-a3fd-315cf73b76ef" providerId="ADAL" clId="{951B128E-E4F7-4F67-8E77-7ED08786248E}" dt="2022-11-10T18:44:35.602" v="379" actId="478"/>
+          <ac:picMkLst>
+            <pc:docMk/>
+            <pc:sldMk cId="697419365" sldId="399"/>
+            <ac:picMk id="10" creationId="{FA906A5D-A6FB-4130-A427-51B26FB1CC06}"/>
+          </ac:picMkLst>
+        </pc:picChg>
+      </pc:sldChg>
+      <pc:sldChg chg="addSp delSp modSp mod">
+        <pc:chgData name="DeCicco, Barry" userId="598d2070-81f9-4814-a3fd-315cf73b76ef" providerId="ADAL" clId="{951B128E-E4F7-4F67-8E77-7ED08786248E}" dt="2022-11-10T18:46:54.204" v="411" actId="1076"/>
+        <pc:sldMkLst>
+          <pc:docMk/>
+          <pc:sldMk cId="1473548479" sldId="401"/>
+        </pc:sldMkLst>
+        <pc:picChg chg="del">
+          <ac:chgData name="DeCicco, Barry" userId="598d2070-81f9-4814-a3fd-315cf73b76ef" providerId="ADAL" clId="{951B128E-E4F7-4F67-8E77-7ED08786248E}" dt="2022-11-10T18:46:37.091" v="383" actId="478"/>
+          <ac:picMkLst>
+            <pc:docMk/>
+            <pc:sldMk cId="1473548479" sldId="401"/>
+            <ac:picMk id="4" creationId="{86642331-8E4C-4C1F-AD22-69F6030B6088}"/>
+          </ac:picMkLst>
+        </pc:picChg>
+        <pc:picChg chg="add mod">
+          <ac:chgData name="DeCicco, Barry" userId="598d2070-81f9-4814-a3fd-315cf73b76ef" providerId="ADAL" clId="{951B128E-E4F7-4F67-8E77-7ED08786248E}" dt="2022-11-10T18:46:54.204" v="411" actId="1076"/>
+          <ac:picMkLst>
+            <pc:docMk/>
+            <pc:sldMk cId="1473548479" sldId="401"/>
+            <ac:picMk id="5" creationId="{47C5CD32-8A61-64F9-21D6-49C8AE5F74D7}"/>
+          </ac:picMkLst>
+        </pc:picChg>
+      </pc:sldChg>
+    </pc:docChg>
+  </pc:docChgLst>
+</pc:chgInfo>
+</file>
+
 <file path=ppt/slideLayouts/slideLayout1.xml><?xml version="1.0" encoding="utf-8"?>
 <p:sldLayout xmlns:a="http://schemas.openxmlformats.org/drawingml/2006/main" xmlns:r="http://schemas.openxmlformats.org/officeDocument/2006/relationships" xmlns:p="http://schemas.openxmlformats.org/presentationml/2006/main" showMasterSp="0" type="title" preserve="1">
   <p:cSld name="Title Slide">
@@ -345,7 +576,7 @@
           <a:p>
             <a:fld id="{81D3993F-C034-4BA1-93BF-412166CE6851}" type="datetimeFigureOut">
               <a:rPr lang="en-US" smtClean="0"/>
-              <a:t>10/18/2022</a:t>
+              <a:t>11/10/2022</a:t>
             </a:fld>
             <a:endParaRPr lang="en-US" dirty="0"/>
           </a:p>
@@ -780,7 +1011,7 @@
           <a:p>
             <a:fld id="{81D3993F-C034-4BA1-93BF-412166CE6851}" type="datetimeFigureOut">
               <a:rPr lang="en-US" smtClean="0"/>
-              <a:t>10/18/2022</a:t>
+              <a:t>11/10/2022</a:t>
             </a:fld>
             <a:endParaRPr lang="en-US" dirty="0"/>
           </a:p>
@@ -1030,7 +1261,7 @@
           <a:p>
             <a:fld id="{81D3993F-C034-4BA1-93BF-412166CE6851}" type="datetimeFigureOut">
               <a:rPr lang="en-US" smtClean="0"/>
-              <a:t>10/18/2022</a:t>
+              <a:t>11/10/2022</a:t>
             </a:fld>
             <a:endParaRPr lang="en-US" dirty="0"/>
           </a:p>
@@ -1338,7 +1569,7 @@
           <a:p>
             <a:fld id="{81D3993F-C034-4BA1-93BF-412166CE6851}" type="datetimeFigureOut">
               <a:rPr lang="en-US" smtClean="0"/>
-              <a:t>10/18/2022</a:t>
+              <a:t>11/10/2022</a:t>
             </a:fld>
             <a:endParaRPr lang="en-US" dirty="0"/>
           </a:p>
@@ -1656,7 +1887,7 @@
           <a:p>
             <a:fld id="{81D3993F-C034-4BA1-93BF-412166CE6851}" type="datetimeFigureOut">
               <a:rPr lang="en-US" smtClean="0"/>
-              <a:t>10/18/2022</a:t>
+              <a:t>11/10/2022</a:t>
             </a:fld>
             <a:endParaRPr lang="en-US" dirty="0"/>
           </a:p>
@@ -1958,7 +2189,7 @@
           <a:p>
             <a:fld id="{81D3993F-C034-4BA1-93BF-412166CE6851}" type="datetimeFigureOut">
               <a:rPr lang="en-US" smtClean="0"/>
-              <a:t>10/18/2022</a:t>
+              <a:t>11/10/2022</a:t>
             </a:fld>
             <a:endParaRPr lang="en-US" dirty="0"/>
           </a:p>
@@ -2325,7 +2556,7 @@
           <a:p>
             <a:fld id="{81D3993F-C034-4BA1-93BF-412166CE6851}" type="datetimeFigureOut">
               <a:rPr lang="en-US" smtClean="0"/>
-              <a:t>10/18/2022</a:t>
+              <a:t>11/10/2022</a:t>
             </a:fld>
             <a:endParaRPr lang="en-US" dirty="0"/>
           </a:p>
@@ -2499,7 +2730,7 @@
           <a:p>
             <a:fld id="{81D3993F-C034-4BA1-93BF-412166CE6851}" type="datetimeFigureOut">
               <a:rPr lang="en-US" smtClean="0"/>
-              <a:t>10/18/2022</a:t>
+              <a:t>11/10/2022</a:t>
             </a:fld>
             <a:endParaRPr lang="en-US" dirty="0"/>
           </a:p>
@@ -2679,7 +2910,7 @@
           <a:p>
             <a:fld id="{81D3993F-C034-4BA1-93BF-412166CE6851}" type="datetimeFigureOut">
               <a:rPr lang="en-US" smtClean="0"/>
-              <a:t>10/18/2022</a:t>
+              <a:t>11/10/2022</a:t>
             </a:fld>
             <a:endParaRPr lang="en-US" dirty="0"/>
           </a:p>
@@ -2849,7 +3080,7 @@
           <a:p>
             <a:fld id="{81D3993F-C034-4BA1-93BF-412166CE6851}" type="datetimeFigureOut">
               <a:rPr lang="en-US" smtClean="0"/>
-              <a:t>10/18/2022</a:t>
+              <a:t>11/10/2022</a:t>
             </a:fld>
             <a:endParaRPr lang="en-US" dirty="0"/>
           </a:p>
@@ -3099,7 +3330,7 @@
           <a:p>
             <a:fld id="{81D3993F-C034-4BA1-93BF-412166CE6851}" type="datetimeFigureOut">
               <a:rPr lang="en-US" smtClean="0"/>
-              <a:t>10/18/2022</a:t>
+              <a:t>11/10/2022</a:t>
             </a:fld>
             <a:endParaRPr lang="en-US" dirty="0"/>
           </a:p>
@@ -3335,7 +3566,7 @@
           <a:p>
             <a:fld id="{81D3993F-C034-4BA1-93BF-412166CE6851}" type="datetimeFigureOut">
               <a:rPr lang="en-US" smtClean="0"/>
-              <a:t>10/18/2022</a:t>
+              <a:t>11/10/2022</a:t>
             </a:fld>
             <a:endParaRPr lang="en-US" dirty="0"/>
           </a:p>
@@ -3717,7 +3948,7 @@
           <a:p>
             <a:fld id="{81D3993F-C034-4BA1-93BF-412166CE6851}" type="datetimeFigureOut">
               <a:rPr lang="en-US" smtClean="0"/>
-              <a:t>10/18/2022</a:t>
+              <a:t>11/10/2022</a:t>
             </a:fld>
             <a:endParaRPr lang="en-US" dirty="0"/>
           </a:p>
@@ -3835,7 +4066,7 @@
           <a:p>
             <a:fld id="{81D3993F-C034-4BA1-93BF-412166CE6851}" type="datetimeFigureOut">
               <a:rPr lang="en-US" smtClean="0"/>
-              <a:t>10/18/2022</a:t>
+              <a:t>11/10/2022</a:t>
             </a:fld>
             <a:endParaRPr lang="en-US" dirty="0"/>
           </a:p>
@@ -3930,7 +4161,7 @@
           <a:p>
             <a:fld id="{81D3993F-C034-4BA1-93BF-412166CE6851}" type="datetimeFigureOut">
               <a:rPr lang="en-US" smtClean="0"/>
-              <a:t>10/18/2022</a:t>
+              <a:t>11/10/2022</a:t>
             </a:fld>
             <a:endParaRPr lang="en-US" dirty="0"/>
           </a:p>
@@ -4185,7 +4416,7 @@
           <a:p>
             <a:fld id="{81D3993F-C034-4BA1-93BF-412166CE6851}" type="datetimeFigureOut">
               <a:rPr lang="en-US" smtClean="0"/>
-              <a:t>10/18/2022</a:t>
+              <a:t>11/10/2022</a:t>
             </a:fld>
             <a:endParaRPr lang="en-US" dirty="0"/>
           </a:p>
@@ -4467,7 +4698,7 @@
           <a:p>
             <a:fld id="{81D3993F-C034-4BA1-93BF-412166CE6851}" type="datetimeFigureOut">
               <a:rPr lang="en-US" smtClean="0"/>
-              <a:t>10/18/2022</a:t>
+              <a:t>11/10/2022</a:t>
             </a:fld>
             <a:endParaRPr lang="en-US" dirty="0"/>
           </a:p>
@@ -4873,7 +5104,7 @@
           <a:p>
             <a:fld id="{81D3993F-C034-4BA1-93BF-412166CE6851}" type="datetimeFigureOut">
               <a:rPr lang="en-US" smtClean="0"/>
-              <a:t>10/18/2022</a:t>
+              <a:t>11/10/2022</a:t>
             </a:fld>
             <a:endParaRPr lang="en-US" dirty="0"/>
           </a:p>
@@ -17838,7 +18069,7 @@
           <a:p>
             <a:r>
               <a:rPr lang="en-US" sz="4000" b="1" dirty="0"/>
-              <a:t>Before</a:t>
+              <a:t>Before – Wider Data</a:t>
             </a:r>
           </a:p>
         </p:txBody>
@@ -18127,10 +18358,10 @@
       </p:grpSp>
       <p:pic>
         <p:nvPicPr>
-          <p:cNvPr id="17" name="Picture 16">
+          <p:cNvPr id="4" name="Picture 3">
             <a:extLst>
               <a:ext uri="{FF2B5EF4-FFF2-40B4-BE49-F238E27FC236}">
-                <a16:creationId xmlns:a16="http://schemas.microsoft.com/office/drawing/2014/main" id="{7E002BCA-9BCE-4F72-A607-1DD4E45DC702}"/>
+                <a16:creationId xmlns:a16="http://schemas.microsoft.com/office/drawing/2014/main" id="{1E19632B-93FE-2B48-7867-250F84DA3E92}"/>
               </a:ext>
             </a:extLst>
           </p:cNvPr>
@@ -18147,14 +18378,54 @@
         </p:blipFill>
         <p:spPr>
           <a:xfrm>
-            <a:off x="1577086" y="1504681"/>
-            <a:ext cx="8954750" cy="3848637"/>
+            <a:off x="2708395" y="1711812"/>
+            <a:ext cx="9090403" cy="4297680"/>
           </a:xfrm>
           <a:prstGeom prst="rect">
             <a:avLst/>
           </a:prstGeom>
         </p:spPr>
       </p:pic>
+      <p:sp>
+        <p:nvSpPr>
+          <p:cNvPr id="5" name="TextBox 4">
+            <a:extLst>
+              <a:ext uri="{FF2B5EF4-FFF2-40B4-BE49-F238E27FC236}">
+                <a16:creationId xmlns:a16="http://schemas.microsoft.com/office/drawing/2014/main" id="{D3C8F335-ABE9-E94A-DD86-22D104443DD3}"/>
+              </a:ext>
+            </a:extLst>
+          </p:cNvPr>
+          <p:cNvSpPr txBox="1"/>
+          <p:nvPr/>
+        </p:nvSpPr>
+        <p:spPr>
+          <a:xfrm>
+            <a:off x="381408" y="1735892"/>
+            <a:ext cx="2009368" cy="3022907"/>
+          </a:xfrm>
+          <a:prstGeom prst="rect">
+            <a:avLst/>
+          </a:prstGeom>
+          <a:noFill/>
+        </p:spPr>
+        <p:txBody>
+          <a:bodyPr wrap="square" rtlCol="0">
+            <a:spAutoFit/>
+          </a:bodyPr>
+          <a:lstStyle/>
+          <a:p>
+            <a:r>
+              <a:rPr lang="en-US" sz="2400" b="1" dirty="0"/>
+              <a:t>It’s partially wide, but the COVID and other admission rates are in separate </a:t>
+            </a:r>
+            <a:r>
+              <a:rPr lang="en-US" sz="2400" b="1" dirty="0" err="1"/>
+              <a:t>columnms</a:t>
+            </a:r>
+            <a:endParaRPr lang="en-US" sz="2400" b="1" dirty="0"/>
+          </a:p>
+        </p:txBody>
+      </p:sp>
     </p:spTree>
     <p:extLst>
       <p:ext uri="{BB962C8B-B14F-4D97-AF65-F5344CB8AC3E}">
@@ -19215,10 +19486,10 @@
       </p:grpSp>
       <p:pic>
         <p:nvPicPr>
-          <p:cNvPr id="4" name="Picture 3">
+          <p:cNvPr id="5" name="Picture 4">
             <a:extLst>
               <a:ext uri="{FF2B5EF4-FFF2-40B4-BE49-F238E27FC236}">
-                <a16:creationId xmlns:a16="http://schemas.microsoft.com/office/drawing/2014/main" id="{BB41578A-CE69-4D6B-9D1A-F13E75647EE6}"/>
+                <a16:creationId xmlns:a16="http://schemas.microsoft.com/office/drawing/2014/main" id="{6457F2B7-966B-1654-27A3-001DE0178C19}"/>
               </a:ext>
             </a:extLst>
           </p:cNvPr>
@@ -19235,14 +19506,58 @@
         </p:blipFill>
         <p:spPr>
           <a:xfrm>
-            <a:off x="2042829" y="1733298"/>
-            <a:ext cx="7706801" cy="3600953"/>
+            <a:off x="2709981" y="1501756"/>
+            <a:ext cx="8667514" cy="4389120"/>
           </a:xfrm>
           <a:prstGeom prst="rect">
             <a:avLst/>
           </a:prstGeom>
         </p:spPr>
       </p:pic>
+      <p:sp>
+        <p:nvSpPr>
+          <p:cNvPr id="6" name="TextBox 5">
+            <a:extLst>
+              <a:ext uri="{FF2B5EF4-FFF2-40B4-BE49-F238E27FC236}">
+                <a16:creationId xmlns:a16="http://schemas.microsoft.com/office/drawing/2014/main" id="{5467C6C7-7CBE-E848-EC24-23B3AE55152E}"/>
+              </a:ext>
+            </a:extLst>
+          </p:cNvPr>
+          <p:cNvSpPr txBox="1"/>
+          <p:nvPr/>
+        </p:nvSpPr>
+        <p:spPr>
+          <a:xfrm>
+            <a:off x="381408" y="1735892"/>
+            <a:ext cx="2009368" cy="4154984"/>
+          </a:xfrm>
+          <a:prstGeom prst="rect">
+            <a:avLst/>
+          </a:prstGeom>
+          <a:noFill/>
+        </p:spPr>
+        <p:txBody>
+          <a:bodyPr wrap="square" rtlCol="0">
+            <a:spAutoFit/>
+          </a:bodyPr>
+          <a:lstStyle/>
+          <a:p>
+            <a:r>
+              <a:rPr lang="en-US" sz="2400" b="1" dirty="0"/>
+              <a:t>The numeric values to be plotted are all in ‘count’. </a:t>
+            </a:r>
+          </a:p>
+          <a:p>
+            <a:endParaRPr lang="en-US" sz="2400" b="1" dirty="0"/>
+          </a:p>
+          <a:p>
+            <a:r>
+              <a:rPr lang="en-US" sz="2400" b="1" dirty="0"/>
+              <a:t>All other variables are treated as ‘slicing’ variables.</a:t>
+            </a:r>
+          </a:p>
+        </p:txBody>
+      </p:sp>
     </p:spTree>
     <p:extLst>
       <p:ext uri="{BB962C8B-B14F-4D97-AF65-F5344CB8AC3E}">
@@ -20195,7 +20510,7 @@
         <p:spPr>
           <a:xfrm>
             <a:off x="477839" y="1581191"/>
-            <a:ext cx="5094286" cy="4524315"/>
+            <a:ext cx="5094286" cy="3785652"/>
           </a:xfrm>
           <a:prstGeom prst="rect">
             <a:avLst/>
@@ -20208,67 +20523,67 @@
           </a:bodyPr>
           <a:lstStyle/>
           <a:p>
-            <a:endParaRPr lang="en-US" sz="2400" b="1" dirty="0"/>
-          </a:p>
-          <a:p>
-            <a:r>
-              <a:rPr lang="en-US" sz="2400" b="1" dirty="0" err="1"/>
+            <a:endParaRPr lang="en-US" sz="2000" b="1" dirty="0"/>
+          </a:p>
+          <a:p>
+            <a:r>
+              <a:rPr lang="en-US" sz="2000" b="1" dirty="0" err="1"/>
               <a:t>ER_Long_df</a:t>
             </a:r>
             <a:r>
-              <a:rPr lang="en-US" sz="2400" b="1" dirty="0"/>
+              <a:rPr lang="en-US" sz="2000" b="1" dirty="0"/>
               <a:t> %&gt;% </a:t>
             </a:r>
           </a:p>
           <a:p>
             <a:r>
-              <a:rPr lang="en-US" sz="2400" b="1" dirty="0"/>
+              <a:rPr lang="en-US" sz="2000" b="1" dirty="0"/>
               <a:t>  </a:t>
             </a:r>
             <a:r>
-              <a:rPr lang="en-US" sz="2400" b="1" dirty="0" err="1"/>
+              <a:rPr lang="en-US" sz="2000" b="1" dirty="0" err="1"/>
               <a:t>ggplot</a:t>
             </a:r>
             <a:r>
-              <a:rPr lang="en-US" sz="2400" b="1" dirty="0"/>
+              <a:rPr lang="en-US" sz="2000" b="1" dirty="0"/>
               <a:t>(.,</a:t>
             </a:r>
             <a:r>
-              <a:rPr lang="en-US" sz="2400" b="1" dirty="0" err="1"/>
+              <a:rPr lang="en-US" sz="2000" b="1" dirty="0" err="1"/>
               <a:t>aes</a:t>
             </a:r>
             <a:r>
-              <a:rPr lang="en-US" sz="2400" b="1" dirty="0"/>
+              <a:rPr lang="en-US" sz="2000" b="1" dirty="0"/>
               <a:t>(x=</a:t>
             </a:r>
             <a:r>
-              <a:rPr lang="en-US" sz="2400" b="1" dirty="0" err="1"/>
+              <a:rPr lang="en-US" sz="2000" b="1" dirty="0" err="1"/>
               <a:t>Calendar_Date</a:t>
             </a:r>
             <a:r>
-              <a:rPr lang="en-US" sz="2400" b="1" dirty="0"/>
+              <a:rPr lang="en-US" sz="2000" b="1" dirty="0"/>
               <a:t>, y=Count,  weight= Count)) +</a:t>
             </a:r>
           </a:p>
           <a:p>
             <a:r>
-              <a:rPr lang="en-US" sz="2400" b="1" dirty="0"/>
+              <a:rPr lang="en-US" sz="2000" b="1" dirty="0"/>
               <a:t>  </a:t>
             </a:r>
             <a:r>
-              <a:rPr lang="en-US" sz="2400" b="1" dirty="0" err="1"/>
+              <a:rPr lang="en-US" sz="2000" b="1" dirty="0" err="1"/>
               <a:t>geom_point</a:t>
             </a:r>
             <a:r>
-              <a:rPr lang="en-US" sz="2400" b="1" dirty="0"/>
+              <a:rPr lang="en-US" sz="2000" b="1" dirty="0"/>
               <a:t>()</a:t>
             </a:r>
           </a:p>
           <a:p>
-            <a:endParaRPr lang="en-US" sz="2400" b="1" dirty="0"/>
-          </a:p>
-          <a:p>
-            <a:endParaRPr lang="en-US" sz="2400" b="1" dirty="0"/>
+            <a:endParaRPr lang="en-US" sz="2000" b="1" dirty="0"/>
+          </a:p>
+          <a:p>
+            <a:endParaRPr lang="en-US" sz="2000" b="1" dirty="0"/>
           </a:p>
           <a:p>
             <a:pPr marL="342900" indent="-342900">
@@ -20276,15 +20591,15 @@
               <a:buChar char="•"/>
             </a:pPr>
             <a:r>
-              <a:rPr lang="en-US" sz="2400" b="1" dirty="0"/>
+              <a:rPr lang="en-US" sz="2000" b="1" dirty="0"/>
               <a:t>The x values are from ‘</a:t>
             </a:r>
             <a:r>
-              <a:rPr lang="en-US" sz="2400" b="1" dirty="0" err="1"/>
+              <a:rPr lang="en-US" sz="2000" b="1" dirty="0" err="1"/>
               <a:t>Calendar_Date</a:t>
             </a:r>
             <a:r>
-              <a:rPr lang="en-US" sz="2400" b="1" dirty="0"/>
+              <a:rPr lang="en-US" sz="2000" b="1" dirty="0"/>
               <a:t>’</a:t>
             </a:r>
           </a:p>
@@ -20294,7 +20609,7 @@
               <a:buChar char="•"/>
             </a:pPr>
             <a:r>
-              <a:rPr lang="en-US" sz="2400" b="1" dirty="0"/>
+              <a:rPr lang="en-US" sz="2000" b="1" dirty="0"/>
               <a:t>The y values are from ‘Count’.</a:t>
             </a:r>
           </a:p>
@@ -20304,21 +20619,21 @@
               <a:buChar char="•"/>
             </a:pPr>
             <a:r>
-              <a:rPr lang="en-US" sz="2400" b="1" dirty="0"/>
+              <a:rPr lang="en-US" sz="2000" b="1" dirty="0"/>
               <a:t>Plot points.</a:t>
             </a:r>
           </a:p>
           <a:p>
-            <a:endParaRPr lang="en-US" sz="2400" b="1" dirty="0"/>
+            <a:endParaRPr lang="en-US" sz="2000" b="1" dirty="0"/>
           </a:p>
         </p:txBody>
       </p:sp>
       <p:pic>
         <p:nvPicPr>
-          <p:cNvPr id="4" name="Picture 3">
+          <p:cNvPr id="5" name="Picture 4">
             <a:extLst>
               <a:ext uri="{FF2B5EF4-FFF2-40B4-BE49-F238E27FC236}">
-                <a16:creationId xmlns:a16="http://schemas.microsoft.com/office/drawing/2014/main" id="{A05284ED-CA35-4F3A-9C70-73A3DAB0964C}"/>
+                <a16:creationId xmlns:a16="http://schemas.microsoft.com/office/drawing/2014/main" id="{1771461C-692D-2E27-9869-07C48CAF9A7D}"/>
               </a:ext>
             </a:extLst>
           </p:cNvPr>
@@ -20335,8 +20650,8 @@
         </p:blipFill>
         <p:spPr>
           <a:xfrm>
-            <a:off x="5448012" y="1328018"/>
-            <a:ext cx="6142857" cy="4485714"/>
+            <a:off x="5412218" y="785104"/>
+            <a:ext cx="6426926" cy="4023360"/>
           </a:xfrm>
           <a:prstGeom prst="rect">
             <a:avLst/>
@@ -20860,7 +21175,7 @@
             </a:r>
           </a:p>
           <a:p>
-            <a:endParaRPr lang="en-US" sz="2400" b="1" dirty="0"/>
+            <a:endParaRPr lang="en-US" sz="2000" b="1" dirty="0"/>
           </a:p>
           <a:p>
             <a:endParaRPr lang="en-US" sz="2400" b="1" dirty="0"/>
@@ -20917,10 +21232,10 @@
       </p:sp>
       <p:pic>
         <p:nvPicPr>
-          <p:cNvPr id="5" name="Picture 4">
+          <p:cNvPr id="4" name="Picture 3">
             <a:extLst>
               <a:ext uri="{FF2B5EF4-FFF2-40B4-BE49-F238E27FC236}">
-                <a16:creationId xmlns:a16="http://schemas.microsoft.com/office/drawing/2014/main" id="{ADBA62E6-6517-4D9B-B833-33401DF31D7B}"/>
+                <a16:creationId xmlns:a16="http://schemas.microsoft.com/office/drawing/2014/main" id="{552D9405-7CD5-117A-623B-D539CDF46BA9}"/>
               </a:ext>
             </a:extLst>
           </p:cNvPr>
@@ -20937,8 +21252,8 @@
         </p:blipFill>
         <p:spPr>
           <a:xfrm>
-            <a:off x="5722936" y="1410648"/>
-            <a:ext cx="6142857" cy="4485714"/>
+            <a:off x="5572125" y="1243891"/>
+            <a:ext cx="6426926" cy="4023360"/>
           </a:xfrm>
           <a:prstGeom prst="rect">
             <a:avLst/>
@@ -21551,10 +21866,10 @@
       </p:sp>
       <p:pic>
         <p:nvPicPr>
-          <p:cNvPr id="4" name="Picture 3">
+          <p:cNvPr id="5" name="Picture 4">
             <a:extLst>
               <a:ext uri="{FF2B5EF4-FFF2-40B4-BE49-F238E27FC236}">
-                <a16:creationId xmlns:a16="http://schemas.microsoft.com/office/drawing/2014/main" id="{C56A27A9-296A-4CF5-B90C-914CEA2291F6}"/>
+                <a16:creationId xmlns:a16="http://schemas.microsoft.com/office/drawing/2014/main" id="{C47833C7-6A15-A233-CB92-44F3EE411F4C}"/>
               </a:ext>
             </a:extLst>
           </p:cNvPr>
@@ -21571,8 +21886,8 @@
         </p:blipFill>
         <p:spPr>
           <a:xfrm>
-            <a:off x="5752896" y="1705896"/>
-            <a:ext cx="6284588" cy="3623061"/>
+            <a:off x="5572125" y="1641825"/>
+            <a:ext cx="6426930" cy="4023360"/>
           </a:xfrm>
           <a:prstGeom prst="rect">
             <a:avLst/>
@@ -22185,10 +22500,10 @@
       </p:sp>
       <p:pic>
         <p:nvPicPr>
-          <p:cNvPr id="10" name="Picture 9">
+          <p:cNvPr id="4" name="Picture 3">
             <a:extLst>
               <a:ext uri="{FF2B5EF4-FFF2-40B4-BE49-F238E27FC236}">
-                <a16:creationId xmlns:a16="http://schemas.microsoft.com/office/drawing/2014/main" id="{FA906A5D-A6FB-4130-A427-51B26FB1CC06}"/>
+                <a16:creationId xmlns:a16="http://schemas.microsoft.com/office/drawing/2014/main" id="{27FF621B-EF9F-E499-4C5D-CEACF4D86728}"/>
               </a:ext>
             </a:extLst>
           </p:cNvPr>
@@ -22205,8 +22520,8 @@
         </p:blipFill>
         <p:spPr>
           <a:xfrm>
-            <a:off x="5572125" y="1186143"/>
-            <a:ext cx="6113948" cy="4485714"/>
+            <a:off x="5459747" y="1282024"/>
+            <a:ext cx="6426926" cy="4023360"/>
           </a:xfrm>
           <a:prstGeom prst="rect">
             <a:avLst/>
@@ -23860,10 +24175,10 @@
       </p:grpSp>
       <p:pic>
         <p:nvPicPr>
-          <p:cNvPr id="4" name="Picture 3">
+          <p:cNvPr id="5" name="Picture 4">
             <a:extLst>
               <a:ext uri="{FF2B5EF4-FFF2-40B4-BE49-F238E27FC236}">
-                <a16:creationId xmlns:a16="http://schemas.microsoft.com/office/drawing/2014/main" id="{86642331-8E4C-4C1F-AD22-69F6030B6088}"/>
+                <a16:creationId xmlns:a16="http://schemas.microsoft.com/office/drawing/2014/main" id="{47C5CD32-8A61-64F9-21D6-49C8AE5F74D7}"/>
               </a:ext>
             </a:extLst>
           </p:cNvPr>
@@ -23880,8 +24195,8 @@
         </p:blipFill>
         <p:spPr>
           <a:xfrm>
-            <a:off x="1271500" y="1603792"/>
-            <a:ext cx="10001337" cy="4485714"/>
+            <a:off x="739508" y="1525656"/>
+            <a:ext cx="8229600" cy="5151863"/>
           </a:xfrm>
           <a:prstGeom prst="rect">
             <a:avLst/>
